--- a/ppt 16-9/0227.耶稣的深恩.pptx
+++ b/ppt 16-9/0227.耶稣的深恩.pptx
@@ -129,7 +129,7 @@
           <p:cNvPr id="2" name="标题 1">
             <a:extLst>
               <a:ext uri="{FF2B5EF4-FFF2-40B4-BE49-F238E27FC236}">
-                <a16:creationId xmlns:a16="http://schemas.microsoft.com/office/drawing/2014/main" id="{81DDBB49-27A0-90DF-C52C-DBB97132D3A9}"/>
+                <a16:creationId xmlns:a16="http://schemas.microsoft.com/office/drawing/2014/main" id="{0CB097D5-EDCF-9B59-8C21-B8B07CC0EEE3}"/>
               </a:ext>
             </a:extLst>
           </p:cNvPr>
@@ -166,7 +166,7 @@
           <p:cNvPr id="3" name="副标题 2">
             <a:extLst>
               <a:ext uri="{FF2B5EF4-FFF2-40B4-BE49-F238E27FC236}">
-                <a16:creationId xmlns:a16="http://schemas.microsoft.com/office/drawing/2014/main" id="{1638D372-8E0F-0B6C-5469-AC8387B1CE60}"/>
+                <a16:creationId xmlns:a16="http://schemas.microsoft.com/office/drawing/2014/main" id="{67015586-362E-B27A-758E-DF46FA323B62}"/>
               </a:ext>
             </a:extLst>
           </p:cNvPr>
@@ -236,7 +236,7 @@
           <p:cNvPr id="4" name="日期占位符 3">
             <a:extLst>
               <a:ext uri="{FF2B5EF4-FFF2-40B4-BE49-F238E27FC236}">
-                <a16:creationId xmlns:a16="http://schemas.microsoft.com/office/drawing/2014/main" id="{9E7583BB-26A4-1310-A7C5-64FE27507139}"/>
+                <a16:creationId xmlns:a16="http://schemas.microsoft.com/office/drawing/2014/main" id="{1CB4F0DD-C7A4-A81C-E246-FA3E453E7553}"/>
               </a:ext>
             </a:extLst>
           </p:cNvPr>
@@ -252,7 +252,7 @@
           <a:bodyPr/>
           <a:lstStyle/>
           <a:p>
-            <a:fld id="{BDB17DB4-5BBA-4603-9448-FCB8B4A97559}" type="datetimeFigureOut">
+            <a:fld id="{8B7577EF-BB55-4899-93DA-A7F113270499}" type="datetimeFigureOut">
               <a:rPr lang="zh-CN" altLang="en-US" smtClean="0"/>
               <a:t>2024/3/10</a:t>
             </a:fld>
@@ -265,7 +265,7 @@
           <p:cNvPr id="5" name="页脚占位符 4">
             <a:extLst>
               <a:ext uri="{FF2B5EF4-FFF2-40B4-BE49-F238E27FC236}">
-                <a16:creationId xmlns:a16="http://schemas.microsoft.com/office/drawing/2014/main" id="{E70F6077-A593-77A3-E8E3-F1AB7D39CEBE}"/>
+                <a16:creationId xmlns:a16="http://schemas.microsoft.com/office/drawing/2014/main" id="{CB8E5553-E289-D89F-8BB4-A6018F91E38D}"/>
               </a:ext>
             </a:extLst>
           </p:cNvPr>
@@ -290,7 +290,7 @@
           <p:cNvPr id="6" name="灯片编号占位符 5">
             <a:extLst>
               <a:ext uri="{FF2B5EF4-FFF2-40B4-BE49-F238E27FC236}">
-                <a16:creationId xmlns:a16="http://schemas.microsoft.com/office/drawing/2014/main" id="{4EEB0CBF-0493-2D94-2573-DD9D4333640F}"/>
+                <a16:creationId xmlns:a16="http://schemas.microsoft.com/office/drawing/2014/main" id="{F5DD35DF-342B-CEF3-0679-69713C4ED56B}"/>
               </a:ext>
             </a:extLst>
           </p:cNvPr>
@@ -306,7 +306,7 @@
           <a:bodyPr/>
           <a:lstStyle/>
           <a:p>
-            <a:fld id="{334E90C5-14CB-49C9-896B-DE5F8F90C09A}" type="slidenum">
+            <a:fld id="{D5E01C90-BE42-4C57-A18E-4394FC53B95F}" type="slidenum">
               <a:rPr lang="zh-CN" altLang="en-US" smtClean="0"/>
               <a:t>‹#›</a:t>
             </a:fld>
@@ -317,7 +317,7 @@
     </p:spTree>
     <p:extLst>
       <p:ext uri="{BB962C8B-B14F-4D97-AF65-F5344CB8AC3E}">
-        <p14:creationId xmlns:p14="http://schemas.microsoft.com/office/powerpoint/2010/main" val="2504178323"/>
+        <p14:creationId xmlns:p14="http://schemas.microsoft.com/office/powerpoint/2010/main" val="2797656171"/>
       </p:ext>
     </p:extLst>
   </p:cSld>
@@ -349,7 +349,7 @@
           <p:cNvPr id="2" name="标题 1">
             <a:extLst>
               <a:ext uri="{FF2B5EF4-FFF2-40B4-BE49-F238E27FC236}">
-                <a16:creationId xmlns:a16="http://schemas.microsoft.com/office/drawing/2014/main" id="{961E477B-0202-32D0-EBBE-A668AECE1B4C}"/>
+                <a16:creationId xmlns:a16="http://schemas.microsoft.com/office/drawing/2014/main" id="{FAE809E2-D735-CFCA-9F0B-C7AADBC4BAE1}"/>
               </a:ext>
             </a:extLst>
           </p:cNvPr>
@@ -377,7 +377,7 @@
           <p:cNvPr id="3" name="竖排文字占位符 2">
             <a:extLst>
               <a:ext uri="{FF2B5EF4-FFF2-40B4-BE49-F238E27FC236}">
-                <a16:creationId xmlns:a16="http://schemas.microsoft.com/office/drawing/2014/main" id="{0C09091E-115D-2BFC-B6D2-8951F20979EE}"/>
+                <a16:creationId xmlns:a16="http://schemas.microsoft.com/office/drawing/2014/main" id="{8C63C352-57F6-2C3E-AA08-F83F2FEFAE5E}"/>
               </a:ext>
             </a:extLst>
           </p:cNvPr>
@@ -434,7 +434,7 @@
           <p:cNvPr id="4" name="日期占位符 3">
             <a:extLst>
               <a:ext uri="{FF2B5EF4-FFF2-40B4-BE49-F238E27FC236}">
-                <a16:creationId xmlns:a16="http://schemas.microsoft.com/office/drawing/2014/main" id="{2FD7D45D-98BF-66E8-A494-A490594B9D74}"/>
+                <a16:creationId xmlns:a16="http://schemas.microsoft.com/office/drawing/2014/main" id="{2CECECDC-0725-0951-DA4C-A26A88488043}"/>
               </a:ext>
             </a:extLst>
           </p:cNvPr>
@@ -450,7 +450,7 @@
           <a:bodyPr/>
           <a:lstStyle/>
           <a:p>
-            <a:fld id="{BDB17DB4-5BBA-4603-9448-FCB8B4A97559}" type="datetimeFigureOut">
+            <a:fld id="{8B7577EF-BB55-4899-93DA-A7F113270499}" type="datetimeFigureOut">
               <a:rPr lang="zh-CN" altLang="en-US" smtClean="0"/>
               <a:t>2024/3/10</a:t>
             </a:fld>
@@ -463,7 +463,7 @@
           <p:cNvPr id="5" name="页脚占位符 4">
             <a:extLst>
               <a:ext uri="{FF2B5EF4-FFF2-40B4-BE49-F238E27FC236}">
-                <a16:creationId xmlns:a16="http://schemas.microsoft.com/office/drawing/2014/main" id="{8B012624-1ECC-C3E5-413C-3A39A5F3CEF6}"/>
+                <a16:creationId xmlns:a16="http://schemas.microsoft.com/office/drawing/2014/main" id="{C3607F83-7510-B3C0-E5E6-03A08B27B010}"/>
               </a:ext>
             </a:extLst>
           </p:cNvPr>
@@ -488,7 +488,7 @@
           <p:cNvPr id="6" name="灯片编号占位符 5">
             <a:extLst>
               <a:ext uri="{FF2B5EF4-FFF2-40B4-BE49-F238E27FC236}">
-                <a16:creationId xmlns:a16="http://schemas.microsoft.com/office/drawing/2014/main" id="{3B1C23B3-0C74-836C-AEF5-09307A89A9E0}"/>
+                <a16:creationId xmlns:a16="http://schemas.microsoft.com/office/drawing/2014/main" id="{4EC78318-6025-3EBE-9557-25147D2A12BB}"/>
               </a:ext>
             </a:extLst>
           </p:cNvPr>
@@ -504,7 +504,7 @@
           <a:bodyPr/>
           <a:lstStyle/>
           <a:p>
-            <a:fld id="{334E90C5-14CB-49C9-896B-DE5F8F90C09A}" type="slidenum">
+            <a:fld id="{D5E01C90-BE42-4C57-A18E-4394FC53B95F}" type="slidenum">
               <a:rPr lang="zh-CN" altLang="en-US" smtClean="0"/>
               <a:t>‹#›</a:t>
             </a:fld>
@@ -515,7 +515,7 @@
     </p:spTree>
     <p:extLst>
       <p:ext uri="{BB962C8B-B14F-4D97-AF65-F5344CB8AC3E}">
-        <p14:creationId xmlns:p14="http://schemas.microsoft.com/office/powerpoint/2010/main" val="2152514653"/>
+        <p14:creationId xmlns:p14="http://schemas.microsoft.com/office/powerpoint/2010/main" val="3492742641"/>
       </p:ext>
     </p:extLst>
   </p:cSld>
@@ -547,7 +547,7 @@
           <p:cNvPr id="2" name="竖排标题 1">
             <a:extLst>
               <a:ext uri="{FF2B5EF4-FFF2-40B4-BE49-F238E27FC236}">
-                <a16:creationId xmlns:a16="http://schemas.microsoft.com/office/drawing/2014/main" id="{D1F3E8A0-749C-03E0-6181-91B4918640E0}"/>
+                <a16:creationId xmlns:a16="http://schemas.microsoft.com/office/drawing/2014/main" id="{B9AC4C47-06E7-F5D0-7B7B-C4668D109454}"/>
               </a:ext>
             </a:extLst>
           </p:cNvPr>
@@ -580,7 +580,7 @@
           <p:cNvPr id="3" name="竖排文字占位符 2">
             <a:extLst>
               <a:ext uri="{FF2B5EF4-FFF2-40B4-BE49-F238E27FC236}">
-                <a16:creationId xmlns:a16="http://schemas.microsoft.com/office/drawing/2014/main" id="{B2997589-45F6-2FDE-92F2-846396C491C6}"/>
+                <a16:creationId xmlns:a16="http://schemas.microsoft.com/office/drawing/2014/main" id="{0962B135-AB7E-6734-B958-4BED7E9D6A40}"/>
               </a:ext>
             </a:extLst>
           </p:cNvPr>
@@ -642,7 +642,7 @@
           <p:cNvPr id="4" name="日期占位符 3">
             <a:extLst>
               <a:ext uri="{FF2B5EF4-FFF2-40B4-BE49-F238E27FC236}">
-                <a16:creationId xmlns:a16="http://schemas.microsoft.com/office/drawing/2014/main" id="{2156A5C0-05C4-5B43-D83E-15BDCC1C446E}"/>
+                <a16:creationId xmlns:a16="http://schemas.microsoft.com/office/drawing/2014/main" id="{C46EDA13-DFC0-A8F2-E9C1-0AC5CBC83FBC}"/>
               </a:ext>
             </a:extLst>
           </p:cNvPr>
@@ -658,7 +658,7 @@
           <a:bodyPr/>
           <a:lstStyle/>
           <a:p>
-            <a:fld id="{BDB17DB4-5BBA-4603-9448-FCB8B4A97559}" type="datetimeFigureOut">
+            <a:fld id="{8B7577EF-BB55-4899-93DA-A7F113270499}" type="datetimeFigureOut">
               <a:rPr lang="zh-CN" altLang="en-US" smtClean="0"/>
               <a:t>2024/3/10</a:t>
             </a:fld>
@@ -671,7 +671,7 @@
           <p:cNvPr id="5" name="页脚占位符 4">
             <a:extLst>
               <a:ext uri="{FF2B5EF4-FFF2-40B4-BE49-F238E27FC236}">
-                <a16:creationId xmlns:a16="http://schemas.microsoft.com/office/drawing/2014/main" id="{4C8F1522-312A-3B07-BF6E-3D74807F0E01}"/>
+                <a16:creationId xmlns:a16="http://schemas.microsoft.com/office/drawing/2014/main" id="{59F8A4C7-C303-2ABA-282D-19E54088E8C5}"/>
               </a:ext>
             </a:extLst>
           </p:cNvPr>
@@ -696,7 +696,7 @@
           <p:cNvPr id="6" name="灯片编号占位符 5">
             <a:extLst>
               <a:ext uri="{FF2B5EF4-FFF2-40B4-BE49-F238E27FC236}">
-                <a16:creationId xmlns:a16="http://schemas.microsoft.com/office/drawing/2014/main" id="{605C7F19-CAFD-A83D-B0EB-11780E3E0752}"/>
+                <a16:creationId xmlns:a16="http://schemas.microsoft.com/office/drawing/2014/main" id="{FBFEBDDB-8431-A245-4756-C4F31AF95FFB}"/>
               </a:ext>
             </a:extLst>
           </p:cNvPr>
@@ -712,7 +712,7 @@
           <a:bodyPr/>
           <a:lstStyle/>
           <a:p>
-            <a:fld id="{334E90C5-14CB-49C9-896B-DE5F8F90C09A}" type="slidenum">
+            <a:fld id="{D5E01C90-BE42-4C57-A18E-4394FC53B95F}" type="slidenum">
               <a:rPr lang="zh-CN" altLang="en-US" smtClean="0"/>
               <a:t>‹#›</a:t>
             </a:fld>
@@ -723,7 +723,7 @@
     </p:spTree>
     <p:extLst>
       <p:ext uri="{BB962C8B-B14F-4D97-AF65-F5344CB8AC3E}">
-        <p14:creationId xmlns:p14="http://schemas.microsoft.com/office/powerpoint/2010/main" val="2000658792"/>
+        <p14:creationId xmlns:p14="http://schemas.microsoft.com/office/powerpoint/2010/main" val="1024431232"/>
       </p:ext>
     </p:extLst>
   </p:cSld>
@@ -755,7 +755,7 @@
           <p:cNvPr id="2" name="标题 1">
             <a:extLst>
               <a:ext uri="{FF2B5EF4-FFF2-40B4-BE49-F238E27FC236}">
-                <a16:creationId xmlns:a16="http://schemas.microsoft.com/office/drawing/2014/main" id="{B88071AF-6A95-5969-3626-75AD927E1581}"/>
+                <a16:creationId xmlns:a16="http://schemas.microsoft.com/office/drawing/2014/main" id="{02BD8560-9A11-A259-1B03-0BA136103144}"/>
               </a:ext>
             </a:extLst>
           </p:cNvPr>
@@ -783,7 +783,7 @@
           <p:cNvPr id="3" name="内容占位符 2">
             <a:extLst>
               <a:ext uri="{FF2B5EF4-FFF2-40B4-BE49-F238E27FC236}">
-                <a16:creationId xmlns:a16="http://schemas.microsoft.com/office/drawing/2014/main" id="{C48EE1CA-2B6E-505F-0F2A-EFAB6B254C58}"/>
+                <a16:creationId xmlns:a16="http://schemas.microsoft.com/office/drawing/2014/main" id="{ECABCC08-E4F6-0303-452C-4329A37B4296}"/>
               </a:ext>
             </a:extLst>
           </p:cNvPr>
@@ -840,7 +840,7 @@
           <p:cNvPr id="4" name="日期占位符 3">
             <a:extLst>
               <a:ext uri="{FF2B5EF4-FFF2-40B4-BE49-F238E27FC236}">
-                <a16:creationId xmlns:a16="http://schemas.microsoft.com/office/drawing/2014/main" id="{D093328E-1F62-9833-5A0E-9577C43A78CE}"/>
+                <a16:creationId xmlns:a16="http://schemas.microsoft.com/office/drawing/2014/main" id="{EB45D6E2-CD22-1D9E-25C5-D8824DA64C01}"/>
               </a:ext>
             </a:extLst>
           </p:cNvPr>
@@ -856,7 +856,7 @@
           <a:bodyPr/>
           <a:lstStyle/>
           <a:p>
-            <a:fld id="{BDB17DB4-5BBA-4603-9448-FCB8B4A97559}" type="datetimeFigureOut">
+            <a:fld id="{8B7577EF-BB55-4899-93DA-A7F113270499}" type="datetimeFigureOut">
               <a:rPr lang="zh-CN" altLang="en-US" smtClean="0"/>
               <a:t>2024/3/10</a:t>
             </a:fld>
@@ -869,7 +869,7 @@
           <p:cNvPr id="5" name="页脚占位符 4">
             <a:extLst>
               <a:ext uri="{FF2B5EF4-FFF2-40B4-BE49-F238E27FC236}">
-                <a16:creationId xmlns:a16="http://schemas.microsoft.com/office/drawing/2014/main" id="{C5F00460-5F94-8333-0048-41D3B18D86AE}"/>
+                <a16:creationId xmlns:a16="http://schemas.microsoft.com/office/drawing/2014/main" id="{9FEE1505-A3CF-7A98-DBCA-F0B6B3523B4E}"/>
               </a:ext>
             </a:extLst>
           </p:cNvPr>
@@ -894,7 +894,7 @@
           <p:cNvPr id="6" name="灯片编号占位符 5">
             <a:extLst>
               <a:ext uri="{FF2B5EF4-FFF2-40B4-BE49-F238E27FC236}">
-                <a16:creationId xmlns:a16="http://schemas.microsoft.com/office/drawing/2014/main" id="{4423EB82-1C50-C77A-B77C-B8F1D412DA42}"/>
+                <a16:creationId xmlns:a16="http://schemas.microsoft.com/office/drawing/2014/main" id="{E2B02976-8E8B-3EAC-0CAC-00515269FEFA}"/>
               </a:ext>
             </a:extLst>
           </p:cNvPr>
@@ -910,7 +910,7 @@
           <a:bodyPr/>
           <a:lstStyle/>
           <a:p>
-            <a:fld id="{334E90C5-14CB-49C9-896B-DE5F8F90C09A}" type="slidenum">
+            <a:fld id="{D5E01C90-BE42-4C57-A18E-4394FC53B95F}" type="slidenum">
               <a:rPr lang="zh-CN" altLang="en-US" smtClean="0"/>
               <a:t>‹#›</a:t>
             </a:fld>
@@ -921,7 +921,7 @@
     </p:spTree>
     <p:extLst>
       <p:ext uri="{BB962C8B-B14F-4D97-AF65-F5344CB8AC3E}">
-        <p14:creationId xmlns:p14="http://schemas.microsoft.com/office/powerpoint/2010/main" val="1261174652"/>
+        <p14:creationId xmlns:p14="http://schemas.microsoft.com/office/powerpoint/2010/main" val="4196749457"/>
       </p:ext>
     </p:extLst>
   </p:cSld>
@@ -953,7 +953,7 @@
           <p:cNvPr id="2" name="标题 1">
             <a:extLst>
               <a:ext uri="{FF2B5EF4-FFF2-40B4-BE49-F238E27FC236}">
-                <a16:creationId xmlns:a16="http://schemas.microsoft.com/office/drawing/2014/main" id="{9DA55BCC-C422-91A3-DB23-BF2659631F7F}"/>
+                <a16:creationId xmlns:a16="http://schemas.microsoft.com/office/drawing/2014/main" id="{1383F4C8-0E42-1719-16A3-CFF9011890A0}"/>
               </a:ext>
             </a:extLst>
           </p:cNvPr>
@@ -990,7 +990,7 @@
           <p:cNvPr id="3" name="文本占位符 2">
             <a:extLst>
               <a:ext uri="{FF2B5EF4-FFF2-40B4-BE49-F238E27FC236}">
-                <a16:creationId xmlns:a16="http://schemas.microsoft.com/office/drawing/2014/main" id="{B5FBBC18-DC6D-FBC1-650F-BA36964FAF2C}"/>
+                <a16:creationId xmlns:a16="http://schemas.microsoft.com/office/drawing/2014/main" id="{BB458A1F-6C68-B1F1-CD28-6374EEFEB218}"/>
               </a:ext>
             </a:extLst>
           </p:cNvPr>
@@ -1115,7 +1115,7 @@
           <p:cNvPr id="4" name="日期占位符 3">
             <a:extLst>
               <a:ext uri="{FF2B5EF4-FFF2-40B4-BE49-F238E27FC236}">
-                <a16:creationId xmlns:a16="http://schemas.microsoft.com/office/drawing/2014/main" id="{C9144205-F273-75AC-EB11-DC47AF7E62B6}"/>
+                <a16:creationId xmlns:a16="http://schemas.microsoft.com/office/drawing/2014/main" id="{43B26FD1-920C-E1E7-9C11-F97E54B01D83}"/>
               </a:ext>
             </a:extLst>
           </p:cNvPr>
@@ -1131,7 +1131,7 @@
           <a:bodyPr/>
           <a:lstStyle/>
           <a:p>
-            <a:fld id="{BDB17DB4-5BBA-4603-9448-FCB8B4A97559}" type="datetimeFigureOut">
+            <a:fld id="{8B7577EF-BB55-4899-93DA-A7F113270499}" type="datetimeFigureOut">
               <a:rPr lang="zh-CN" altLang="en-US" smtClean="0"/>
               <a:t>2024/3/10</a:t>
             </a:fld>
@@ -1144,7 +1144,7 @@
           <p:cNvPr id="5" name="页脚占位符 4">
             <a:extLst>
               <a:ext uri="{FF2B5EF4-FFF2-40B4-BE49-F238E27FC236}">
-                <a16:creationId xmlns:a16="http://schemas.microsoft.com/office/drawing/2014/main" id="{4E3FE360-E6D8-2363-694A-83AF11F76C3F}"/>
+                <a16:creationId xmlns:a16="http://schemas.microsoft.com/office/drawing/2014/main" id="{ECAA7F88-3473-BB95-6D1D-259E69771062}"/>
               </a:ext>
             </a:extLst>
           </p:cNvPr>
@@ -1169,7 +1169,7 @@
           <p:cNvPr id="6" name="灯片编号占位符 5">
             <a:extLst>
               <a:ext uri="{FF2B5EF4-FFF2-40B4-BE49-F238E27FC236}">
-                <a16:creationId xmlns:a16="http://schemas.microsoft.com/office/drawing/2014/main" id="{F6E3A722-8091-1CCB-D319-47F51DD1C020}"/>
+                <a16:creationId xmlns:a16="http://schemas.microsoft.com/office/drawing/2014/main" id="{A60A8880-997F-F70A-190F-D1D3011C7A14}"/>
               </a:ext>
             </a:extLst>
           </p:cNvPr>
@@ -1185,7 +1185,7 @@
           <a:bodyPr/>
           <a:lstStyle/>
           <a:p>
-            <a:fld id="{334E90C5-14CB-49C9-896B-DE5F8F90C09A}" type="slidenum">
+            <a:fld id="{D5E01C90-BE42-4C57-A18E-4394FC53B95F}" type="slidenum">
               <a:rPr lang="zh-CN" altLang="en-US" smtClean="0"/>
               <a:t>‹#›</a:t>
             </a:fld>
@@ -1196,7 +1196,7 @@
     </p:spTree>
     <p:extLst>
       <p:ext uri="{BB962C8B-B14F-4D97-AF65-F5344CB8AC3E}">
-        <p14:creationId xmlns:p14="http://schemas.microsoft.com/office/powerpoint/2010/main" val="590865274"/>
+        <p14:creationId xmlns:p14="http://schemas.microsoft.com/office/powerpoint/2010/main" val="3623463672"/>
       </p:ext>
     </p:extLst>
   </p:cSld>
@@ -1228,7 +1228,7 @@
           <p:cNvPr id="2" name="标题 1">
             <a:extLst>
               <a:ext uri="{FF2B5EF4-FFF2-40B4-BE49-F238E27FC236}">
-                <a16:creationId xmlns:a16="http://schemas.microsoft.com/office/drawing/2014/main" id="{95CCACD6-D379-C8B4-E8B8-B316AE65F44F}"/>
+                <a16:creationId xmlns:a16="http://schemas.microsoft.com/office/drawing/2014/main" id="{1EDD70F8-8728-1D14-28BB-F47B6F770929}"/>
               </a:ext>
             </a:extLst>
           </p:cNvPr>
@@ -1256,7 +1256,7 @@
           <p:cNvPr id="3" name="内容占位符 2">
             <a:extLst>
               <a:ext uri="{FF2B5EF4-FFF2-40B4-BE49-F238E27FC236}">
-                <a16:creationId xmlns:a16="http://schemas.microsoft.com/office/drawing/2014/main" id="{329F46DC-A0AF-8404-0ECD-422B9B339206}"/>
+                <a16:creationId xmlns:a16="http://schemas.microsoft.com/office/drawing/2014/main" id="{8E7BA43E-07B7-3E90-F184-FFD1BC68CCB3}"/>
               </a:ext>
             </a:extLst>
           </p:cNvPr>
@@ -1318,7 +1318,7 @@
           <p:cNvPr id="4" name="内容占位符 3">
             <a:extLst>
               <a:ext uri="{FF2B5EF4-FFF2-40B4-BE49-F238E27FC236}">
-                <a16:creationId xmlns:a16="http://schemas.microsoft.com/office/drawing/2014/main" id="{1832A7D3-2327-DEF9-1963-DB5037AFADEA}"/>
+                <a16:creationId xmlns:a16="http://schemas.microsoft.com/office/drawing/2014/main" id="{8FB39B4E-59A7-F8D5-2A60-329CB2A40C14}"/>
               </a:ext>
             </a:extLst>
           </p:cNvPr>
@@ -1380,7 +1380,7 @@
           <p:cNvPr id="5" name="日期占位符 4">
             <a:extLst>
               <a:ext uri="{FF2B5EF4-FFF2-40B4-BE49-F238E27FC236}">
-                <a16:creationId xmlns:a16="http://schemas.microsoft.com/office/drawing/2014/main" id="{2FC8B541-BB45-3583-CBF0-D659E3098915}"/>
+                <a16:creationId xmlns:a16="http://schemas.microsoft.com/office/drawing/2014/main" id="{DDC1AD00-A8C4-0F65-556B-C3347A5E34DF}"/>
               </a:ext>
             </a:extLst>
           </p:cNvPr>
@@ -1396,7 +1396,7 @@
           <a:bodyPr/>
           <a:lstStyle/>
           <a:p>
-            <a:fld id="{BDB17DB4-5BBA-4603-9448-FCB8B4A97559}" type="datetimeFigureOut">
+            <a:fld id="{8B7577EF-BB55-4899-93DA-A7F113270499}" type="datetimeFigureOut">
               <a:rPr lang="zh-CN" altLang="en-US" smtClean="0"/>
               <a:t>2024/3/10</a:t>
             </a:fld>
@@ -1409,7 +1409,7 @@
           <p:cNvPr id="6" name="页脚占位符 5">
             <a:extLst>
               <a:ext uri="{FF2B5EF4-FFF2-40B4-BE49-F238E27FC236}">
-                <a16:creationId xmlns:a16="http://schemas.microsoft.com/office/drawing/2014/main" id="{E9934635-5A1A-1090-CAA3-BC5790A08A84}"/>
+                <a16:creationId xmlns:a16="http://schemas.microsoft.com/office/drawing/2014/main" id="{0A3E994C-42FF-7A64-E16D-32BA4423B3A4}"/>
               </a:ext>
             </a:extLst>
           </p:cNvPr>
@@ -1434,7 +1434,7 @@
           <p:cNvPr id="7" name="灯片编号占位符 6">
             <a:extLst>
               <a:ext uri="{FF2B5EF4-FFF2-40B4-BE49-F238E27FC236}">
-                <a16:creationId xmlns:a16="http://schemas.microsoft.com/office/drawing/2014/main" id="{EBFF8F68-DFFE-80E6-D53E-CB39BB874D23}"/>
+                <a16:creationId xmlns:a16="http://schemas.microsoft.com/office/drawing/2014/main" id="{4F89F5FC-B5CC-E157-019A-0054E318DC23}"/>
               </a:ext>
             </a:extLst>
           </p:cNvPr>
@@ -1450,7 +1450,7 @@
           <a:bodyPr/>
           <a:lstStyle/>
           <a:p>
-            <a:fld id="{334E90C5-14CB-49C9-896B-DE5F8F90C09A}" type="slidenum">
+            <a:fld id="{D5E01C90-BE42-4C57-A18E-4394FC53B95F}" type="slidenum">
               <a:rPr lang="zh-CN" altLang="en-US" smtClean="0"/>
               <a:t>‹#›</a:t>
             </a:fld>
@@ -1461,7 +1461,7 @@
     </p:spTree>
     <p:extLst>
       <p:ext uri="{BB962C8B-B14F-4D97-AF65-F5344CB8AC3E}">
-        <p14:creationId xmlns:p14="http://schemas.microsoft.com/office/powerpoint/2010/main" val="1570764482"/>
+        <p14:creationId xmlns:p14="http://schemas.microsoft.com/office/powerpoint/2010/main" val="3289296075"/>
       </p:ext>
     </p:extLst>
   </p:cSld>
@@ -1493,7 +1493,7 @@
           <p:cNvPr id="2" name="标题 1">
             <a:extLst>
               <a:ext uri="{FF2B5EF4-FFF2-40B4-BE49-F238E27FC236}">
-                <a16:creationId xmlns:a16="http://schemas.microsoft.com/office/drawing/2014/main" id="{1680064C-A8FE-190C-4B81-EBF8B9E463F0}"/>
+                <a16:creationId xmlns:a16="http://schemas.microsoft.com/office/drawing/2014/main" id="{08D8164C-E1BE-9F7B-3D49-13B077A126F8}"/>
               </a:ext>
             </a:extLst>
           </p:cNvPr>
@@ -1526,7 +1526,7 @@
           <p:cNvPr id="3" name="文本占位符 2">
             <a:extLst>
               <a:ext uri="{FF2B5EF4-FFF2-40B4-BE49-F238E27FC236}">
-                <a16:creationId xmlns:a16="http://schemas.microsoft.com/office/drawing/2014/main" id="{BC820F5D-8154-F182-B917-0A4F55FDDBCB}"/>
+                <a16:creationId xmlns:a16="http://schemas.microsoft.com/office/drawing/2014/main" id="{A8D48F92-CFE5-D7A2-3D54-74AF6983362A}"/>
               </a:ext>
             </a:extLst>
           </p:cNvPr>
@@ -1597,7 +1597,7 @@
           <p:cNvPr id="4" name="内容占位符 3">
             <a:extLst>
               <a:ext uri="{FF2B5EF4-FFF2-40B4-BE49-F238E27FC236}">
-                <a16:creationId xmlns:a16="http://schemas.microsoft.com/office/drawing/2014/main" id="{853FE796-916B-4D1D-0159-C4EE67F3A62C}"/>
+                <a16:creationId xmlns:a16="http://schemas.microsoft.com/office/drawing/2014/main" id="{455FB08D-712C-0965-8453-5174F75502F4}"/>
               </a:ext>
             </a:extLst>
           </p:cNvPr>
@@ -1659,7 +1659,7 @@
           <p:cNvPr id="5" name="文本占位符 4">
             <a:extLst>
               <a:ext uri="{FF2B5EF4-FFF2-40B4-BE49-F238E27FC236}">
-                <a16:creationId xmlns:a16="http://schemas.microsoft.com/office/drawing/2014/main" id="{65AF8526-9B4B-54CD-B6BA-FBB853CC80CC}"/>
+                <a16:creationId xmlns:a16="http://schemas.microsoft.com/office/drawing/2014/main" id="{4B1EEEFF-3E06-01CC-4697-BF35FC0E83CD}"/>
               </a:ext>
             </a:extLst>
           </p:cNvPr>
@@ -1730,7 +1730,7 @@
           <p:cNvPr id="6" name="内容占位符 5">
             <a:extLst>
               <a:ext uri="{FF2B5EF4-FFF2-40B4-BE49-F238E27FC236}">
-                <a16:creationId xmlns:a16="http://schemas.microsoft.com/office/drawing/2014/main" id="{2C55A6FF-C859-CC27-DB6A-F173D0604BD9}"/>
+                <a16:creationId xmlns:a16="http://schemas.microsoft.com/office/drawing/2014/main" id="{1026C17C-9052-0C14-66E3-F1490DAF0EED}"/>
               </a:ext>
             </a:extLst>
           </p:cNvPr>
@@ -1792,7 +1792,7 @@
           <p:cNvPr id="7" name="日期占位符 6">
             <a:extLst>
               <a:ext uri="{FF2B5EF4-FFF2-40B4-BE49-F238E27FC236}">
-                <a16:creationId xmlns:a16="http://schemas.microsoft.com/office/drawing/2014/main" id="{57588147-DD19-715D-E42F-C2CA17AFD2E2}"/>
+                <a16:creationId xmlns:a16="http://schemas.microsoft.com/office/drawing/2014/main" id="{A0CFB39C-579A-812C-D76D-C48699EF7A60}"/>
               </a:ext>
             </a:extLst>
           </p:cNvPr>
@@ -1808,7 +1808,7 @@
           <a:bodyPr/>
           <a:lstStyle/>
           <a:p>
-            <a:fld id="{BDB17DB4-5BBA-4603-9448-FCB8B4A97559}" type="datetimeFigureOut">
+            <a:fld id="{8B7577EF-BB55-4899-93DA-A7F113270499}" type="datetimeFigureOut">
               <a:rPr lang="zh-CN" altLang="en-US" smtClean="0"/>
               <a:t>2024/3/10</a:t>
             </a:fld>
@@ -1821,7 +1821,7 @@
           <p:cNvPr id="8" name="页脚占位符 7">
             <a:extLst>
               <a:ext uri="{FF2B5EF4-FFF2-40B4-BE49-F238E27FC236}">
-                <a16:creationId xmlns:a16="http://schemas.microsoft.com/office/drawing/2014/main" id="{A2C4EB96-73D3-FB67-002D-18110DC0B4C4}"/>
+                <a16:creationId xmlns:a16="http://schemas.microsoft.com/office/drawing/2014/main" id="{4C89021E-0CBD-0F50-F051-AB3B18A617D8}"/>
               </a:ext>
             </a:extLst>
           </p:cNvPr>
@@ -1846,7 +1846,7 @@
           <p:cNvPr id="9" name="灯片编号占位符 8">
             <a:extLst>
               <a:ext uri="{FF2B5EF4-FFF2-40B4-BE49-F238E27FC236}">
-                <a16:creationId xmlns:a16="http://schemas.microsoft.com/office/drawing/2014/main" id="{0247B903-389B-890E-AD34-1B469B64E405}"/>
+                <a16:creationId xmlns:a16="http://schemas.microsoft.com/office/drawing/2014/main" id="{CD604082-929A-164F-7EA8-9A109717C6BE}"/>
               </a:ext>
             </a:extLst>
           </p:cNvPr>
@@ -1862,7 +1862,7 @@
           <a:bodyPr/>
           <a:lstStyle/>
           <a:p>
-            <a:fld id="{334E90C5-14CB-49C9-896B-DE5F8F90C09A}" type="slidenum">
+            <a:fld id="{D5E01C90-BE42-4C57-A18E-4394FC53B95F}" type="slidenum">
               <a:rPr lang="zh-CN" altLang="en-US" smtClean="0"/>
               <a:t>‹#›</a:t>
             </a:fld>
@@ -1873,7 +1873,7 @@
     </p:spTree>
     <p:extLst>
       <p:ext uri="{BB962C8B-B14F-4D97-AF65-F5344CB8AC3E}">
-        <p14:creationId xmlns:p14="http://schemas.microsoft.com/office/powerpoint/2010/main" val="3679544726"/>
+        <p14:creationId xmlns:p14="http://schemas.microsoft.com/office/powerpoint/2010/main" val="3117665287"/>
       </p:ext>
     </p:extLst>
   </p:cSld>
@@ -1905,7 +1905,7 @@
           <p:cNvPr id="2" name="标题 1">
             <a:extLst>
               <a:ext uri="{FF2B5EF4-FFF2-40B4-BE49-F238E27FC236}">
-                <a16:creationId xmlns:a16="http://schemas.microsoft.com/office/drawing/2014/main" id="{5CFCF49A-D617-0A35-9CE1-9D4D2605C2E2}"/>
+                <a16:creationId xmlns:a16="http://schemas.microsoft.com/office/drawing/2014/main" id="{3D3B4042-8ECF-CC85-9C94-2128DB002CEC}"/>
               </a:ext>
             </a:extLst>
           </p:cNvPr>
@@ -1933,7 +1933,7 @@
           <p:cNvPr id="3" name="日期占位符 2">
             <a:extLst>
               <a:ext uri="{FF2B5EF4-FFF2-40B4-BE49-F238E27FC236}">
-                <a16:creationId xmlns:a16="http://schemas.microsoft.com/office/drawing/2014/main" id="{C96CD238-A9A2-DD64-147D-6440D7CEE525}"/>
+                <a16:creationId xmlns:a16="http://schemas.microsoft.com/office/drawing/2014/main" id="{76397F4C-C73E-7047-0443-CD9BD5DA452A}"/>
               </a:ext>
             </a:extLst>
           </p:cNvPr>
@@ -1949,7 +1949,7 @@
           <a:bodyPr/>
           <a:lstStyle/>
           <a:p>
-            <a:fld id="{BDB17DB4-5BBA-4603-9448-FCB8B4A97559}" type="datetimeFigureOut">
+            <a:fld id="{8B7577EF-BB55-4899-93DA-A7F113270499}" type="datetimeFigureOut">
               <a:rPr lang="zh-CN" altLang="en-US" smtClean="0"/>
               <a:t>2024/3/10</a:t>
             </a:fld>
@@ -1962,7 +1962,7 @@
           <p:cNvPr id="4" name="页脚占位符 3">
             <a:extLst>
               <a:ext uri="{FF2B5EF4-FFF2-40B4-BE49-F238E27FC236}">
-                <a16:creationId xmlns:a16="http://schemas.microsoft.com/office/drawing/2014/main" id="{E1F8A52F-6510-AA59-DFE3-1EFC89E8B696}"/>
+                <a16:creationId xmlns:a16="http://schemas.microsoft.com/office/drawing/2014/main" id="{DF2DFC29-2EDB-E724-2C9B-BA0612A9FE36}"/>
               </a:ext>
             </a:extLst>
           </p:cNvPr>
@@ -1987,7 +1987,7 @@
           <p:cNvPr id="5" name="灯片编号占位符 4">
             <a:extLst>
               <a:ext uri="{FF2B5EF4-FFF2-40B4-BE49-F238E27FC236}">
-                <a16:creationId xmlns:a16="http://schemas.microsoft.com/office/drawing/2014/main" id="{ABB564B9-C10A-6A1E-8290-304242D3D46D}"/>
+                <a16:creationId xmlns:a16="http://schemas.microsoft.com/office/drawing/2014/main" id="{10CF3C06-701B-A621-0481-CC7E558BCEA5}"/>
               </a:ext>
             </a:extLst>
           </p:cNvPr>
@@ -2003,7 +2003,7 @@
           <a:bodyPr/>
           <a:lstStyle/>
           <a:p>
-            <a:fld id="{334E90C5-14CB-49C9-896B-DE5F8F90C09A}" type="slidenum">
+            <a:fld id="{D5E01C90-BE42-4C57-A18E-4394FC53B95F}" type="slidenum">
               <a:rPr lang="zh-CN" altLang="en-US" smtClean="0"/>
               <a:t>‹#›</a:t>
             </a:fld>
@@ -2014,7 +2014,7 @@
     </p:spTree>
     <p:extLst>
       <p:ext uri="{BB962C8B-B14F-4D97-AF65-F5344CB8AC3E}">
-        <p14:creationId xmlns:p14="http://schemas.microsoft.com/office/powerpoint/2010/main" val="774091713"/>
+        <p14:creationId xmlns:p14="http://schemas.microsoft.com/office/powerpoint/2010/main" val="3097401109"/>
       </p:ext>
     </p:extLst>
   </p:cSld>
@@ -2046,7 +2046,7 @@
           <p:cNvPr id="2" name="日期占位符 1">
             <a:extLst>
               <a:ext uri="{FF2B5EF4-FFF2-40B4-BE49-F238E27FC236}">
-                <a16:creationId xmlns:a16="http://schemas.microsoft.com/office/drawing/2014/main" id="{49EDDC91-A575-4EDA-BF7A-5376E4CD2ECA}"/>
+                <a16:creationId xmlns:a16="http://schemas.microsoft.com/office/drawing/2014/main" id="{17EAF6BE-1906-0E37-65D2-0B5FCAC858C8}"/>
               </a:ext>
             </a:extLst>
           </p:cNvPr>
@@ -2062,7 +2062,7 @@
           <a:bodyPr/>
           <a:lstStyle/>
           <a:p>
-            <a:fld id="{BDB17DB4-5BBA-4603-9448-FCB8B4A97559}" type="datetimeFigureOut">
+            <a:fld id="{8B7577EF-BB55-4899-93DA-A7F113270499}" type="datetimeFigureOut">
               <a:rPr lang="zh-CN" altLang="en-US" smtClean="0"/>
               <a:t>2024/3/10</a:t>
             </a:fld>
@@ -2075,7 +2075,7 @@
           <p:cNvPr id="3" name="页脚占位符 2">
             <a:extLst>
               <a:ext uri="{FF2B5EF4-FFF2-40B4-BE49-F238E27FC236}">
-                <a16:creationId xmlns:a16="http://schemas.microsoft.com/office/drawing/2014/main" id="{E8A34CD8-31D6-869F-7F9A-9A5DE0399D2D}"/>
+                <a16:creationId xmlns:a16="http://schemas.microsoft.com/office/drawing/2014/main" id="{D2C3E73D-9720-AF59-9948-46E23781359B}"/>
               </a:ext>
             </a:extLst>
           </p:cNvPr>
@@ -2100,7 +2100,7 @@
           <p:cNvPr id="4" name="灯片编号占位符 3">
             <a:extLst>
               <a:ext uri="{FF2B5EF4-FFF2-40B4-BE49-F238E27FC236}">
-                <a16:creationId xmlns:a16="http://schemas.microsoft.com/office/drawing/2014/main" id="{636D053E-E005-51C2-992F-8BBBAB1CCAC7}"/>
+                <a16:creationId xmlns:a16="http://schemas.microsoft.com/office/drawing/2014/main" id="{5FAAB764-87D2-AFB1-7A4D-46811569D092}"/>
               </a:ext>
             </a:extLst>
           </p:cNvPr>
@@ -2116,7 +2116,7 @@
           <a:bodyPr/>
           <a:lstStyle/>
           <a:p>
-            <a:fld id="{334E90C5-14CB-49C9-896B-DE5F8F90C09A}" type="slidenum">
+            <a:fld id="{D5E01C90-BE42-4C57-A18E-4394FC53B95F}" type="slidenum">
               <a:rPr lang="zh-CN" altLang="en-US" smtClean="0"/>
               <a:t>‹#›</a:t>
             </a:fld>
@@ -2127,7 +2127,7 @@
     </p:spTree>
     <p:extLst>
       <p:ext uri="{BB962C8B-B14F-4D97-AF65-F5344CB8AC3E}">
-        <p14:creationId xmlns:p14="http://schemas.microsoft.com/office/powerpoint/2010/main" val="710236815"/>
+        <p14:creationId xmlns:p14="http://schemas.microsoft.com/office/powerpoint/2010/main" val="2444535859"/>
       </p:ext>
     </p:extLst>
   </p:cSld>
@@ -2159,7 +2159,7 @@
           <p:cNvPr id="2" name="标题 1">
             <a:extLst>
               <a:ext uri="{FF2B5EF4-FFF2-40B4-BE49-F238E27FC236}">
-                <a16:creationId xmlns:a16="http://schemas.microsoft.com/office/drawing/2014/main" id="{B1C5C497-6A6D-D745-B9E2-641390115DF8}"/>
+                <a16:creationId xmlns:a16="http://schemas.microsoft.com/office/drawing/2014/main" id="{3981A340-EA00-78F4-A657-A7935B1A80B4}"/>
               </a:ext>
             </a:extLst>
           </p:cNvPr>
@@ -2196,7 +2196,7 @@
           <p:cNvPr id="3" name="内容占位符 2">
             <a:extLst>
               <a:ext uri="{FF2B5EF4-FFF2-40B4-BE49-F238E27FC236}">
-                <a16:creationId xmlns:a16="http://schemas.microsoft.com/office/drawing/2014/main" id="{D13B3E09-D912-64B7-1417-A4415A5F5235}"/>
+                <a16:creationId xmlns:a16="http://schemas.microsoft.com/office/drawing/2014/main" id="{46388D94-BF21-F4A6-D108-88A2A78AFF10}"/>
               </a:ext>
             </a:extLst>
           </p:cNvPr>
@@ -2286,7 +2286,7 @@
           <p:cNvPr id="4" name="文本占位符 3">
             <a:extLst>
               <a:ext uri="{FF2B5EF4-FFF2-40B4-BE49-F238E27FC236}">
-                <a16:creationId xmlns:a16="http://schemas.microsoft.com/office/drawing/2014/main" id="{DE43AC74-26D1-954B-1040-1D42B26C23C9}"/>
+                <a16:creationId xmlns:a16="http://schemas.microsoft.com/office/drawing/2014/main" id="{523DEB13-7190-372D-DD7C-087914B0D9C0}"/>
               </a:ext>
             </a:extLst>
           </p:cNvPr>
@@ -2357,7 +2357,7 @@
           <p:cNvPr id="5" name="日期占位符 4">
             <a:extLst>
               <a:ext uri="{FF2B5EF4-FFF2-40B4-BE49-F238E27FC236}">
-                <a16:creationId xmlns:a16="http://schemas.microsoft.com/office/drawing/2014/main" id="{1C57B860-8880-8ABD-5320-DF62C789B9CE}"/>
+                <a16:creationId xmlns:a16="http://schemas.microsoft.com/office/drawing/2014/main" id="{62D520E2-8DC9-B60C-9B6F-C8A8F354F489}"/>
               </a:ext>
             </a:extLst>
           </p:cNvPr>
@@ -2373,7 +2373,7 @@
           <a:bodyPr/>
           <a:lstStyle/>
           <a:p>
-            <a:fld id="{BDB17DB4-5BBA-4603-9448-FCB8B4A97559}" type="datetimeFigureOut">
+            <a:fld id="{8B7577EF-BB55-4899-93DA-A7F113270499}" type="datetimeFigureOut">
               <a:rPr lang="zh-CN" altLang="en-US" smtClean="0"/>
               <a:t>2024/3/10</a:t>
             </a:fld>
@@ -2386,7 +2386,7 @@
           <p:cNvPr id="6" name="页脚占位符 5">
             <a:extLst>
               <a:ext uri="{FF2B5EF4-FFF2-40B4-BE49-F238E27FC236}">
-                <a16:creationId xmlns:a16="http://schemas.microsoft.com/office/drawing/2014/main" id="{3DD256CB-2BAB-59E7-A9F7-2D0B4700F16B}"/>
+                <a16:creationId xmlns:a16="http://schemas.microsoft.com/office/drawing/2014/main" id="{4D976E82-01CE-CF0A-7C5A-E9E75CC570E0}"/>
               </a:ext>
             </a:extLst>
           </p:cNvPr>
@@ -2411,7 +2411,7 @@
           <p:cNvPr id="7" name="灯片编号占位符 6">
             <a:extLst>
               <a:ext uri="{FF2B5EF4-FFF2-40B4-BE49-F238E27FC236}">
-                <a16:creationId xmlns:a16="http://schemas.microsoft.com/office/drawing/2014/main" id="{A26D648D-8259-974D-4EAF-B1C8BD41FE1A}"/>
+                <a16:creationId xmlns:a16="http://schemas.microsoft.com/office/drawing/2014/main" id="{8EA5D168-BFF3-55D6-F7A3-E197340B4917}"/>
               </a:ext>
             </a:extLst>
           </p:cNvPr>
@@ -2427,7 +2427,7 @@
           <a:bodyPr/>
           <a:lstStyle/>
           <a:p>
-            <a:fld id="{334E90C5-14CB-49C9-896B-DE5F8F90C09A}" type="slidenum">
+            <a:fld id="{D5E01C90-BE42-4C57-A18E-4394FC53B95F}" type="slidenum">
               <a:rPr lang="zh-CN" altLang="en-US" smtClean="0"/>
               <a:t>‹#›</a:t>
             </a:fld>
@@ -2438,7 +2438,7 @@
     </p:spTree>
     <p:extLst>
       <p:ext uri="{BB962C8B-B14F-4D97-AF65-F5344CB8AC3E}">
-        <p14:creationId xmlns:p14="http://schemas.microsoft.com/office/powerpoint/2010/main" val="3623007527"/>
+        <p14:creationId xmlns:p14="http://schemas.microsoft.com/office/powerpoint/2010/main" val="2068228715"/>
       </p:ext>
     </p:extLst>
   </p:cSld>
@@ -2470,7 +2470,7 @@
           <p:cNvPr id="2" name="标题 1">
             <a:extLst>
               <a:ext uri="{FF2B5EF4-FFF2-40B4-BE49-F238E27FC236}">
-                <a16:creationId xmlns:a16="http://schemas.microsoft.com/office/drawing/2014/main" id="{C4AE5C67-4B64-A78E-6779-A3C6BC3F0772}"/>
+                <a16:creationId xmlns:a16="http://schemas.microsoft.com/office/drawing/2014/main" id="{5A485D06-FC5F-3D13-2D4A-D4CCA329A8B6}"/>
               </a:ext>
             </a:extLst>
           </p:cNvPr>
@@ -2507,7 +2507,7 @@
           <p:cNvPr id="3" name="图片占位符 2">
             <a:extLst>
               <a:ext uri="{FF2B5EF4-FFF2-40B4-BE49-F238E27FC236}">
-                <a16:creationId xmlns:a16="http://schemas.microsoft.com/office/drawing/2014/main" id="{DBB71F8E-CADB-BC5E-8730-457313F81D56}"/>
+                <a16:creationId xmlns:a16="http://schemas.microsoft.com/office/drawing/2014/main" id="{32842971-F74A-2E76-11DD-9675F065DF39}"/>
               </a:ext>
             </a:extLst>
           </p:cNvPr>
@@ -2574,7 +2574,7 @@
           <p:cNvPr id="4" name="文本占位符 3">
             <a:extLst>
               <a:ext uri="{FF2B5EF4-FFF2-40B4-BE49-F238E27FC236}">
-                <a16:creationId xmlns:a16="http://schemas.microsoft.com/office/drawing/2014/main" id="{56681DFD-F661-DB38-846A-2D9BA3F7B27D}"/>
+                <a16:creationId xmlns:a16="http://schemas.microsoft.com/office/drawing/2014/main" id="{BFEDA11B-A948-4B00-9599-1764B39F4250}"/>
               </a:ext>
             </a:extLst>
           </p:cNvPr>
@@ -2645,7 +2645,7 @@
           <p:cNvPr id="5" name="日期占位符 4">
             <a:extLst>
               <a:ext uri="{FF2B5EF4-FFF2-40B4-BE49-F238E27FC236}">
-                <a16:creationId xmlns:a16="http://schemas.microsoft.com/office/drawing/2014/main" id="{EC9752D8-B552-E77B-9492-E494A0736AF3}"/>
+                <a16:creationId xmlns:a16="http://schemas.microsoft.com/office/drawing/2014/main" id="{90ABB07C-70F6-3227-6D83-724EABC2F7B0}"/>
               </a:ext>
             </a:extLst>
           </p:cNvPr>
@@ -2661,7 +2661,7 @@
           <a:bodyPr/>
           <a:lstStyle/>
           <a:p>
-            <a:fld id="{BDB17DB4-5BBA-4603-9448-FCB8B4A97559}" type="datetimeFigureOut">
+            <a:fld id="{8B7577EF-BB55-4899-93DA-A7F113270499}" type="datetimeFigureOut">
               <a:rPr lang="zh-CN" altLang="en-US" smtClean="0"/>
               <a:t>2024/3/10</a:t>
             </a:fld>
@@ -2674,7 +2674,7 @@
           <p:cNvPr id="6" name="页脚占位符 5">
             <a:extLst>
               <a:ext uri="{FF2B5EF4-FFF2-40B4-BE49-F238E27FC236}">
-                <a16:creationId xmlns:a16="http://schemas.microsoft.com/office/drawing/2014/main" id="{2615D2B5-C603-AEE3-E23E-A378F07FF9E0}"/>
+                <a16:creationId xmlns:a16="http://schemas.microsoft.com/office/drawing/2014/main" id="{33287588-E205-6D7F-C8C9-F292096FFC08}"/>
               </a:ext>
             </a:extLst>
           </p:cNvPr>
@@ -2699,7 +2699,7 @@
           <p:cNvPr id="7" name="灯片编号占位符 6">
             <a:extLst>
               <a:ext uri="{FF2B5EF4-FFF2-40B4-BE49-F238E27FC236}">
-                <a16:creationId xmlns:a16="http://schemas.microsoft.com/office/drawing/2014/main" id="{F368CFAE-74B9-69E2-C60E-EEE276A604C8}"/>
+                <a16:creationId xmlns:a16="http://schemas.microsoft.com/office/drawing/2014/main" id="{7CEB1089-2EB1-1D5C-FB20-765AA538EF79}"/>
               </a:ext>
             </a:extLst>
           </p:cNvPr>
@@ -2715,7 +2715,7 @@
           <a:bodyPr/>
           <a:lstStyle/>
           <a:p>
-            <a:fld id="{334E90C5-14CB-49C9-896B-DE5F8F90C09A}" type="slidenum">
+            <a:fld id="{D5E01C90-BE42-4C57-A18E-4394FC53B95F}" type="slidenum">
               <a:rPr lang="zh-CN" altLang="en-US" smtClean="0"/>
               <a:t>‹#›</a:t>
             </a:fld>
@@ -2726,7 +2726,7 @@
     </p:spTree>
     <p:extLst>
       <p:ext uri="{BB962C8B-B14F-4D97-AF65-F5344CB8AC3E}">
-        <p14:creationId xmlns:p14="http://schemas.microsoft.com/office/powerpoint/2010/main" val="908812656"/>
+        <p14:creationId xmlns:p14="http://schemas.microsoft.com/office/powerpoint/2010/main" val="3131631003"/>
       </p:ext>
     </p:extLst>
   </p:cSld>
@@ -2763,7 +2763,7 @@
           <p:cNvPr id="2" name="标题占位符 1">
             <a:extLst>
               <a:ext uri="{FF2B5EF4-FFF2-40B4-BE49-F238E27FC236}">
-                <a16:creationId xmlns:a16="http://schemas.microsoft.com/office/drawing/2014/main" id="{D47DA1AC-3D56-A627-636E-607C70FA371B}"/>
+                <a16:creationId xmlns:a16="http://schemas.microsoft.com/office/drawing/2014/main" id="{8538F901-AACA-85B7-6F97-A7EF54BF2B83}"/>
               </a:ext>
             </a:extLst>
           </p:cNvPr>
@@ -2801,7 +2801,7 @@
           <p:cNvPr id="3" name="文本占位符 2">
             <a:extLst>
               <a:ext uri="{FF2B5EF4-FFF2-40B4-BE49-F238E27FC236}">
-                <a16:creationId xmlns:a16="http://schemas.microsoft.com/office/drawing/2014/main" id="{3BA5714F-76F6-3B84-A946-D02348A9523D}"/>
+                <a16:creationId xmlns:a16="http://schemas.microsoft.com/office/drawing/2014/main" id="{DDCF89BA-F305-13AF-864D-B5F6D65B63B3}"/>
               </a:ext>
             </a:extLst>
           </p:cNvPr>
@@ -2868,7 +2868,7 @@
           <p:cNvPr id="4" name="日期占位符 3">
             <a:extLst>
               <a:ext uri="{FF2B5EF4-FFF2-40B4-BE49-F238E27FC236}">
-                <a16:creationId xmlns:a16="http://schemas.microsoft.com/office/drawing/2014/main" id="{607D701E-0C4C-3911-B8DC-23888CE8F77A}"/>
+                <a16:creationId xmlns:a16="http://schemas.microsoft.com/office/drawing/2014/main" id="{698B84EE-788B-5CA3-57EF-65279C35E54D}"/>
               </a:ext>
             </a:extLst>
           </p:cNvPr>
@@ -2902,7 +2902,7 @@
             </a:lvl1pPr>
           </a:lstStyle>
           <a:p>
-            <a:fld id="{BDB17DB4-5BBA-4603-9448-FCB8B4A97559}" type="datetimeFigureOut">
+            <a:fld id="{8B7577EF-BB55-4899-93DA-A7F113270499}" type="datetimeFigureOut">
               <a:rPr lang="zh-CN" altLang="en-US" smtClean="0"/>
               <a:t>2024/3/10</a:t>
             </a:fld>
@@ -2915,7 +2915,7 @@
           <p:cNvPr id="5" name="页脚占位符 4">
             <a:extLst>
               <a:ext uri="{FF2B5EF4-FFF2-40B4-BE49-F238E27FC236}">
-                <a16:creationId xmlns:a16="http://schemas.microsoft.com/office/drawing/2014/main" id="{DCB590B3-9057-CF81-7920-CDEC102B2584}"/>
+                <a16:creationId xmlns:a16="http://schemas.microsoft.com/office/drawing/2014/main" id="{4CE2FCDB-4084-863B-BC43-BCB8BF611EC5}"/>
               </a:ext>
             </a:extLst>
           </p:cNvPr>
@@ -2958,7 +2958,7 @@
           <p:cNvPr id="6" name="灯片编号占位符 5">
             <a:extLst>
               <a:ext uri="{FF2B5EF4-FFF2-40B4-BE49-F238E27FC236}">
-                <a16:creationId xmlns:a16="http://schemas.microsoft.com/office/drawing/2014/main" id="{870D4D50-E45C-47D5-24BF-4AD8DD077056}"/>
+                <a16:creationId xmlns:a16="http://schemas.microsoft.com/office/drawing/2014/main" id="{5666BCB9-53D6-1312-1873-6C199C7E4EEE}"/>
               </a:ext>
             </a:extLst>
           </p:cNvPr>
@@ -2992,7 +2992,7 @@
             </a:lvl1pPr>
           </a:lstStyle>
           <a:p>
-            <a:fld id="{334E90C5-14CB-49C9-896B-DE5F8F90C09A}" type="slidenum">
+            <a:fld id="{D5E01C90-BE42-4C57-A18E-4394FC53B95F}" type="slidenum">
               <a:rPr lang="zh-CN" altLang="en-US" smtClean="0"/>
               <a:t>‹#›</a:t>
             </a:fld>
@@ -3003,7 +3003,7 @@
     </p:spTree>
     <p:extLst>
       <p:ext uri="{BB962C8B-B14F-4D97-AF65-F5344CB8AC3E}">
-        <p14:creationId xmlns:p14="http://schemas.microsoft.com/office/powerpoint/2010/main" val="2524914226"/>
+        <p14:creationId xmlns:p14="http://schemas.microsoft.com/office/powerpoint/2010/main" val="1924139105"/>
       </p:ext>
     </p:extLst>
   </p:cSld>
